--- a/03. 화면설계/01. 관리자/[디비2조]화면설계_관리자.pptx
+++ b/03. 화면설계/01. 관리자/[디비2조]화면설계_관리자.pptx
@@ -13536,6 +13536,127 @@
               </a:rPr>
               <a:t> 조회</a:t>
             </a:r>
+            <a:r>
+              <a:rPr lang="ko-KR" altLang="en-US" sz="1400" b="1" dirty="0">
+                <a:solidFill>
+                  <a:srgbClr val="FF0000"/>
+                </a:solidFill>
+                <a:latin typeface="+mj-lt"/>
+                <a:ea typeface="+mj-ea"/>
+                <a:cs typeface="+mj-cs"/>
+              </a:rPr>
+              <a:t> </a:t>
+            </a:r>
+            <a:r>
+              <a:rPr lang="en-US" altLang="ko-KR" sz="1400" b="1" dirty="0">
+                <a:solidFill>
+                  <a:srgbClr val="FF0000"/>
+                </a:solidFill>
+                <a:latin typeface="+mj-lt"/>
+                <a:ea typeface="+mj-ea"/>
+                <a:cs typeface="+mj-cs"/>
+              </a:rPr>
+              <a:t>-&gt; </a:t>
+            </a:r>
+            <a:r>
+              <a:rPr lang="ko-KR" altLang="en-US" sz="1400" b="1" dirty="0" err="1">
+                <a:solidFill>
+                  <a:srgbClr val="FF0000"/>
+                </a:solidFill>
+                <a:latin typeface="+mj-lt"/>
+                <a:ea typeface="+mj-ea"/>
+                <a:cs typeface="+mj-cs"/>
+              </a:rPr>
+              <a:t>학생별</a:t>
+            </a:r>
+            <a:r>
+              <a:rPr lang="ko-KR" altLang="en-US" sz="1400" b="1" dirty="0">
+                <a:solidFill>
+                  <a:srgbClr val="FF0000"/>
+                </a:solidFill>
+                <a:latin typeface="+mj-lt"/>
+                <a:ea typeface="+mj-ea"/>
+                <a:cs typeface="+mj-cs"/>
+              </a:rPr>
+              <a:t> 조회는 </a:t>
+            </a:r>
+            <a:r>
+              <a:rPr lang="en-US" altLang="ko-KR" sz="1400" b="1" dirty="0">
+                <a:solidFill>
+                  <a:srgbClr val="FF0000"/>
+                </a:solidFill>
+                <a:latin typeface="+mj-lt"/>
+                <a:ea typeface="+mj-ea"/>
+                <a:cs typeface="+mj-cs"/>
+              </a:rPr>
+              <a:t>“</a:t>
+            </a:r>
+            <a:r>
+              <a:rPr lang="ko-KR" altLang="en-US" sz="1400" b="1" dirty="0">
+                <a:solidFill>
+                  <a:srgbClr val="FF0000"/>
+                </a:solidFill>
+                <a:latin typeface="+mj-lt"/>
+                <a:ea typeface="+mj-ea"/>
+                <a:cs typeface="+mj-cs"/>
+              </a:rPr>
+              <a:t>기간</a:t>
+            </a:r>
+            <a:r>
+              <a:rPr lang="en-US" altLang="ko-KR" sz="1400" b="1" dirty="0">
+                <a:solidFill>
+                  <a:srgbClr val="FF0000"/>
+                </a:solidFill>
+                <a:latin typeface="+mj-lt"/>
+                <a:ea typeface="+mj-ea"/>
+                <a:cs typeface="+mj-cs"/>
+              </a:rPr>
+              <a:t>”</a:t>
+            </a:r>
+            <a:r>
+              <a:rPr lang="ko-KR" altLang="en-US" sz="1400" b="1" dirty="0">
+                <a:solidFill>
+                  <a:srgbClr val="FF0000"/>
+                </a:solidFill>
+                <a:latin typeface="+mj-lt"/>
+                <a:ea typeface="+mj-ea"/>
+                <a:cs typeface="+mj-cs"/>
+              </a:rPr>
+              <a:t>을 </a:t>
+            </a:r>
+            <a:r>
+              <a:rPr lang="ko-KR" altLang="en-US" sz="1400" b="1" dirty="0" err="1">
+                <a:solidFill>
+                  <a:srgbClr val="FF0000"/>
+                </a:solidFill>
+                <a:latin typeface="+mj-lt"/>
+                <a:ea typeface="+mj-ea"/>
+                <a:cs typeface="+mj-cs"/>
+              </a:rPr>
+              <a:t>정해두어서</a:t>
+            </a:r>
+            <a:r>
+              <a:rPr lang="ko-KR" altLang="en-US" sz="1400" b="1" dirty="0">
+                <a:solidFill>
+                  <a:srgbClr val="FF0000"/>
+                </a:solidFill>
+                <a:latin typeface="+mj-lt"/>
+                <a:ea typeface="+mj-ea"/>
+                <a:cs typeface="+mj-cs"/>
+              </a:rPr>
+              <a:t> 조회 가능 </a:t>
+            </a:r>
+            <a:r>
+              <a:rPr lang="en-US" altLang="ko-KR" sz="1400" b="1" dirty="0">
+                <a:solidFill>
+                  <a:srgbClr val="FF0000"/>
+                </a:solidFill>
+                <a:latin typeface="+mj-lt"/>
+                <a:ea typeface="+mj-ea"/>
+                <a:cs typeface="+mj-cs"/>
+              </a:rPr>
+              <a:t>ex)2018.01.01 ~ 2018.01.15</a:t>
+            </a:r>
             <a:endParaRPr lang="en-US" altLang="ko-KR" sz="1400" b="1" dirty="0">
               <a:latin typeface="+mj-lt"/>
               <a:ea typeface="+mj-ea"/>
@@ -13588,7 +13709,84 @@
                 <a:ea typeface="+mj-ea"/>
                 <a:cs typeface="+mj-cs"/>
               </a:rPr>
-              <a:t>과정별 조회</a:t>
+              <a:t>과정별 조회 </a:t>
+            </a:r>
+            <a:r>
+              <a:rPr lang="en-US" altLang="ko-KR" sz="1400" b="1" dirty="0">
+                <a:solidFill>
+                  <a:srgbClr val="FF0000"/>
+                </a:solidFill>
+                <a:latin typeface="+mj-lt"/>
+                <a:ea typeface="+mj-ea"/>
+                <a:cs typeface="+mj-cs"/>
+              </a:rPr>
+              <a:t>-&gt; </a:t>
+            </a:r>
+            <a:r>
+              <a:rPr lang="ko-KR" altLang="en-US" sz="1400" b="1" dirty="0">
+                <a:solidFill>
+                  <a:srgbClr val="FF0000"/>
+                </a:solidFill>
+                <a:latin typeface="+mj-lt"/>
+                <a:ea typeface="+mj-ea"/>
+                <a:cs typeface="+mj-cs"/>
+              </a:rPr>
+              <a:t>과정별 조회는 </a:t>
+            </a:r>
+            <a:r>
+              <a:rPr lang="en-US" altLang="ko-KR" sz="1400" b="1" dirty="0">
+                <a:solidFill>
+                  <a:srgbClr val="FF0000"/>
+                </a:solidFill>
+                <a:latin typeface="+mj-lt"/>
+                <a:ea typeface="+mj-ea"/>
+                <a:cs typeface="+mj-cs"/>
+              </a:rPr>
+              <a:t>“</a:t>
+            </a:r>
+            <a:r>
+              <a:rPr lang="ko-KR" altLang="en-US" sz="1400" b="1" dirty="0">
+                <a:solidFill>
+                  <a:srgbClr val="FF0000"/>
+                </a:solidFill>
+                <a:latin typeface="+mj-lt"/>
+                <a:ea typeface="+mj-ea"/>
+                <a:cs typeface="+mj-cs"/>
+              </a:rPr>
+              <a:t>날짜</a:t>
+            </a:r>
+            <a:r>
+              <a:rPr lang="en-US" altLang="ko-KR" sz="1400" b="1" dirty="0">
+                <a:solidFill>
+                  <a:srgbClr val="FF0000"/>
+                </a:solidFill>
+                <a:latin typeface="+mj-lt"/>
+                <a:ea typeface="+mj-ea"/>
+                <a:cs typeface="+mj-cs"/>
+              </a:rPr>
+              <a:t>”</a:t>
+            </a:r>
+            <a:r>
+              <a:rPr lang="ko-KR" altLang="en-US" sz="1400" b="1" dirty="0">
+                <a:solidFill>
+                  <a:srgbClr val="FF0000"/>
+                </a:solidFill>
+                <a:latin typeface="+mj-lt"/>
+                <a:ea typeface="+mj-ea"/>
+                <a:cs typeface="+mj-cs"/>
+              </a:rPr>
+              <a:t>를 지정해서 검색 가능 </a:t>
+            </a:r>
+            <a:r>
+              <a:rPr lang="en-US" altLang="ko-KR" sz="1400" b="1" dirty="0">
+                <a:solidFill>
+                  <a:srgbClr val="FF0000"/>
+                </a:solidFill>
+                <a:latin typeface="+mj-lt"/>
+                <a:ea typeface="+mj-ea"/>
+                <a:cs typeface="+mj-cs"/>
+              </a:rPr>
+              <a:t>ex)2018.01.01 </a:t>
             </a:r>
             <a:endParaRPr kumimoji="0" lang="en-US" altLang="ko-KR" sz="1400" b="1" i="0" u="none" strike="noStrike" kern="1200" cap="none" spc="0" normalizeH="0" baseline="0" noProof="0" dirty="0">
               <a:ln>
@@ -14686,11 +14884,11 @@
                 <a:ea typeface="+mj-ea"/>
                 <a:cs typeface="+mj-cs"/>
               </a:rPr>
-              <a:t>- </a:t>
-            </a:r>
-            <a:r>
-              <a:rPr lang="en-US" altLang="ko-KR" sz="1400" b="1" dirty="0"/>
-              <a:t>1. </a:t>
+              <a:t>- a</a:t>
+            </a:r>
+            <a:r>
+              <a:rPr lang="en-US" altLang="ko-KR" sz="1400" b="1" dirty="0"/>
+              <a:t>. </a:t>
             </a:r>
             <a:r>
               <a:rPr lang="ko-KR" altLang="en-US" sz="1400" b="1" dirty="0" err="1"/>
@@ -14861,7 +15059,7 @@
             </a:br>
             <a:r>
               <a:rPr lang="en-US" altLang="ko-KR" sz="1400" b="1" dirty="0"/>
-              <a:t>0. </a:t>
+              <a:t>z. </a:t>
             </a:r>
             <a:r>
               <a:rPr lang="ko-KR" altLang="en-US" sz="1400" b="1" dirty="0" err="1"/>
@@ -15038,11 +15236,11 @@
                 <a:ea typeface="+mj-ea"/>
                 <a:cs typeface="+mj-cs"/>
               </a:rPr>
-              <a:t>- </a:t>
-            </a:r>
-            <a:r>
-              <a:rPr lang="en-US" altLang="ko-KR" sz="1400" b="1" dirty="0"/>
-              <a:t>2. </a:t>
+              <a:t>- b</a:t>
+            </a:r>
+            <a:r>
+              <a:rPr lang="en-US" altLang="ko-KR" sz="1400" b="1" dirty="0"/>
+              <a:t>. </a:t>
             </a:r>
             <a:r>
               <a:rPr lang="ko-KR" altLang="en-US" sz="1400" b="1" dirty="0"/>
@@ -15503,6 +15701,14 @@
               </a:spcBef>
             </a:pPr>
             <a:r>
+              <a:rPr lang="en-US" altLang="ko-KR" sz="1400" b="1" dirty="0">
+                <a:latin typeface="+mj-lt"/>
+                <a:ea typeface="+mj-ea"/>
+                <a:cs typeface="+mj-cs"/>
+              </a:rPr>
+              <a:t>z</a:t>
+            </a:r>
+            <a:r>
               <a:rPr kumimoji="0" lang="en-US" altLang="ko-KR" sz="1400" b="1" i="0" u="none" strike="noStrike" kern="1200" cap="none" spc="0" normalizeH="0" baseline="0" noProof="0" dirty="0">
                 <a:ln>
                   <a:noFill/>
@@ -15517,7 +15723,7 @@
                 <a:ea typeface="+mj-ea"/>
                 <a:cs typeface="+mj-cs"/>
               </a:rPr>
-              <a:t>0. </a:t>
+              <a:t>. </a:t>
             </a:r>
             <a:r>
               <a:rPr kumimoji="0" lang="ko-KR" altLang="en-US" sz="1400" b="1" i="0" u="none" strike="noStrike" kern="1200" cap="none" spc="0" normalizeH="0" baseline="0" noProof="0" dirty="0" err="1">
@@ -15723,7 +15929,7 @@
             </a:r>
             <a:r>
               <a:rPr lang="en-US" altLang="ko-KR" sz="1400" b="1" dirty="0"/>
-              <a:t>- 2. </a:t>
+              <a:t>- b. </a:t>
             </a:r>
             <a:r>
               <a:rPr lang="ko-KR" altLang="en-US" sz="1400" b="1" dirty="0"/>
@@ -16041,7 +16247,7 @@
                 <a:ea typeface="+mj-ea"/>
                 <a:cs typeface="+mj-cs"/>
               </a:rPr>
-              <a:t>0. </a:t>
+              <a:t>z. </a:t>
             </a:r>
             <a:r>
               <a:rPr kumimoji="0" lang="ko-KR" altLang="en-US" sz="1400" b="1" i="0" u="none" strike="noStrike" kern="1200" cap="none" spc="0" normalizeH="0" baseline="0" noProof="0" dirty="0" err="1">

--- a/03. 화면설계/01. 관리자/[디비2조]화면설계_관리자.pptx
+++ b/03. 화면설계/01. 관리자/[디비2조]화면설계_관리자.pptx
@@ -59,8 +59,9 @@
     <p:sldId id="303" r:id="rId53"/>
     <p:sldId id="304" r:id="rId54"/>
     <p:sldId id="305" r:id="rId55"/>
-    <p:sldId id="257" r:id="rId56"/>
-    <p:sldId id="258" r:id="rId57"/>
+    <p:sldId id="319" r:id="rId56"/>
+    <p:sldId id="257" r:id="rId57"/>
+    <p:sldId id="258" r:id="rId58"/>
   </p:sldIdLst>
   <p:sldSz cx="9144000" cy="6858000" type="screen4x3"/>
   <p:notesSz cx="6858000" cy="9144000"/>
@@ -13341,7 +13342,7 @@
         </p:spPr>
         <p:txBody>
           <a:bodyPr vert="horz" lIns="91440" tIns="45720" rIns="91440" bIns="45720" rtlCol="0" anchor="ctr">
-            <a:normAutofit/>
+            <a:normAutofit lnSpcReduction="10000"/>
           </a:bodyPr>
           <a:lstStyle/>
           <a:p>
@@ -13534,19 +13535,23 @@
                 <a:ea typeface="+mj-ea"/>
                 <a:cs typeface="+mj-cs"/>
               </a:rPr>
-              <a:t> 조회</a:t>
-            </a:r>
-            <a:r>
-              <a:rPr lang="ko-KR" altLang="en-US" sz="1400" b="1" dirty="0">
-                <a:solidFill>
-                  <a:srgbClr val="FF0000"/>
-                </a:solidFill>
-                <a:latin typeface="+mj-lt"/>
-                <a:ea typeface="+mj-ea"/>
-                <a:cs typeface="+mj-cs"/>
-              </a:rPr>
-              <a:t> </a:t>
-            </a:r>
+              <a:t> 조회 및 수정</a:t>
+            </a:r>
+            <a:endParaRPr lang="en-US" altLang="ko-KR" sz="1400" b="1" dirty="0">
+              <a:solidFill>
+                <a:srgbClr val="FF0000"/>
+              </a:solidFill>
+              <a:latin typeface="+mj-lt"/>
+              <a:ea typeface="+mj-ea"/>
+              <a:cs typeface="+mj-cs"/>
+            </a:endParaRPr>
+          </a:p>
+          <a:p>
+            <a:pPr>
+              <a:spcBef>
+                <a:spcPct val="0"/>
+              </a:spcBef>
+            </a:pPr>
             <a:r>
               <a:rPr lang="en-US" altLang="ko-KR" sz="1400" b="1" dirty="0">
                 <a:solidFill>
@@ -13709,8 +13714,29 @@
                 <a:ea typeface="+mj-ea"/>
                 <a:cs typeface="+mj-cs"/>
               </a:rPr>
-              <a:t>과정별 조회 </a:t>
-            </a:r>
+              <a:t>과정별 조회 및 수정</a:t>
+            </a:r>
+            <a:endParaRPr kumimoji="0" lang="en-US" altLang="ko-KR" sz="1400" b="1" i="0" u="none" strike="noStrike" kern="1200" cap="none" spc="0" normalizeH="0" baseline="0" noProof="0" dirty="0">
+              <a:ln>
+                <a:noFill/>
+              </a:ln>
+              <a:solidFill>
+                <a:schemeClr val="tx1"/>
+              </a:solidFill>
+              <a:effectLst/>
+              <a:uLnTx/>
+              <a:uFillTx/>
+              <a:latin typeface="+mj-lt"/>
+              <a:ea typeface="+mj-ea"/>
+              <a:cs typeface="+mj-cs"/>
+            </a:endParaRPr>
+          </a:p>
+          <a:p>
+            <a:pPr>
+              <a:spcBef>
+                <a:spcPct val="0"/>
+              </a:spcBef>
+            </a:pPr>
             <a:r>
               <a:rPr lang="en-US" altLang="ko-KR" sz="1400" b="1" dirty="0">
                 <a:solidFill>
@@ -14278,6 +14304,14 @@
               </a:rPr>
             </a:br>
             <a:r>
+              <a:rPr lang="en-US" altLang="ko-KR" sz="1400" b="1" dirty="0">
+                <a:latin typeface="+mj-lt"/>
+                <a:ea typeface="+mj-ea"/>
+                <a:cs typeface="+mj-cs"/>
+              </a:rPr>
+              <a:t>		</a:t>
+            </a:r>
+            <a:r>
               <a:rPr kumimoji="0" lang="en-US" altLang="ko-KR" sz="1400" b="1" i="0" u="none" strike="noStrike" kern="1200" cap="none" spc="0" normalizeH="0" baseline="0" noProof="0" dirty="0">
                 <a:ln>
                   <a:noFill/>
@@ -14292,7 +14326,7 @@
                 <a:ea typeface="+mj-ea"/>
                 <a:cs typeface="+mj-cs"/>
               </a:rPr>
-              <a:t>		1. </a:t>
+              <a:t>1. </a:t>
             </a:r>
             <a:r>
               <a:rPr kumimoji="0" lang="ko-KR" altLang="en-US" sz="1400" b="1" i="0" u="none" strike="noStrike" kern="1200" cap="none" spc="0" normalizeH="0" baseline="0" noProof="0" dirty="0">
@@ -14354,7 +14388,7 @@
             </a:r>
             <a:r>
               <a:rPr lang="ko-KR" altLang="en-US" sz="1400" b="1" dirty="0"/>
-              <a:t> 조회</a:t>
+              <a:t> 조회 및 수정</a:t>
             </a:r>
             <a:endParaRPr lang="en-US" altLang="ko-KR" sz="1400" b="1" dirty="0">
               <a:latin typeface="+mj-lt"/>
@@ -14846,7 +14880,7 @@
         </p:spPr>
         <p:txBody>
           <a:bodyPr>
-            <a:normAutofit/>
+            <a:normAutofit fontScale="90000"/>
           </a:bodyPr>
           <a:lstStyle/>
           <a:p>
@@ -14963,12 +14997,7 @@
               <a:t>홍길동 </a:t>
             </a:r>
             <a:br>
-              <a:rPr lang="en-US" altLang="ko-KR" sz="1400" b="1" dirty="0">
-                <a:solidFill>
-                  <a:prstClr val="black"/>
-                </a:solidFill>
-                <a:cs typeface="+mn-cs"/>
-              </a:rPr>
+              <a:rPr lang="en-US" altLang="ko-KR" sz="1400" b="1" dirty="0"/>
             </a:br>
             <a:br>
               <a:rPr lang="en-US" altLang="ko-KR" sz="1400" b="1" dirty="0"/>
@@ -15017,7 +15046,7 @@
             </a:br>
             <a:r>
               <a:rPr lang="en-US" altLang="ko-KR" sz="1400" b="1" dirty="0"/>
-              <a:t>2018.01.01	  08:56		  18:03		   </a:t>
+              <a:t>2018.01.01	 	 08:56		  18:03		   </a:t>
             </a:r>
             <a:r>
               <a:rPr lang="ko-KR" altLang="en-US" sz="1400" b="1" dirty="0"/>
@@ -15035,7 +15064,7 @@
             </a:br>
             <a:r>
               <a:rPr lang="en-US" altLang="ko-KR" sz="1400" b="1" dirty="0"/>
-              <a:t>2018.01.15	  08:56		  15:00		   </a:t>
+              <a:t>2018.01.15	  	08:56		  15:00		   </a:t>
             </a:r>
             <a:r>
               <a:rPr lang="ko-KR" altLang="en-US" sz="1400" b="1" dirty="0"/>
@@ -15044,12 +15073,20 @@
             <a:br>
               <a:rPr lang="en-US" altLang="ko-KR" sz="1400" b="1" dirty="0"/>
             </a:br>
-            <a:br>
-              <a:rPr lang="en-US" altLang="ko-KR" sz="1400" b="1" dirty="0"/>
-            </a:br>
             <a:r>
               <a:rPr lang="en-US" altLang="ko-KR" sz="1400" b="1" dirty="0"/>
               <a:t>------------------------------------------------------------------------------------------------------</a:t>
+            </a:r>
+            <a:br>
+              <a:rPr lang="en-US" altLang="ko-KR" sz="1400" b="1" dirty="0"/>
+            </a:br>
+            <a:r>
+              <a:rPr lang="en-US" altLang="ko-KR" sz="1400" b="1" dirty="0"/>
+              <a:t>a. </a:t>
+            </a:r>
+            <a:r>
+              <a:rPr lang="ko-KR" altLang="en-US" sz="1400" b="1" dirty="0"/>
+              <a:t>근태상황 수정</a:t>
             </a:r>
             <a:br>
               <a:rPr lang="en-US" altLang="ko-KR" sz="1400" b="1" dirty="0"/>
@@ -15068,9 +15105,203 @@
             <a:br>
               <a:rPr lang="en-US" altLang="ko-KR" sz="1400" b="1" dirty="0"/>
             </a:br>
-            <a:br>
-              <a:rPr lang="en-US" altLang="ko-KR" sz="1400" b="1" dirty="0"/>
-            </a:br>
+            <a:r>
+              <a:rPr lang="en-US" altLang="ko-KR" sz="1400" b="1" dirty="0"/>
+              <a:t>------------------------------------------------------------------------------------------------------</a:t>
+            </a:r>
+            <a:br>
+              <a:rPr lang="en-US" altLang="ko-KR" sz="1400" b="1" dirty="0"/>
+            </a:br>
+            <a:r>
+              <a:rPr lang="ko-KR" altLang="en-US" sz="1400" b="1" dirty="0"/>
+              <a:t>■ </a:t>
+            </a:r>
+            <a:r>
+              <a:rPr lang="en-US" altLang="ko-KR" sz="1400" b="1" dirty="0"/>
+              <a:t>a </a:t>
+            </a:r>
+            <a:r>
+              <a:rPr lang="ko-KR" altLang="en-US" sz="1400" b="1" dirty="0" err="1"/>
+              <a:t>선택시</a:t>
+            </a:r>
+            <a:br>
+              <a:rPr lang="en-US" altLang="ko-KR" sz="1400" b="1" dirty="0"/>
+            </a:br>
+            <a:r>
+              <a:rPr lang="ko-KR" altLang="en-US" sz="1400" b="1" dirty="0"/>
+              <a:t>날짜 입력 </a:t>
+            </a:r>
+            <a:r>
+              <a:rPr lang="en-US" altLang="ko-KR" sz="1400" b="1" dirty="0"/>
+              <a:t>: </a:t>
+            </a:r>
+            <a:r>
+              <a:rPr lang="en-US" altLang="ko-KR" sz="1400" b="1" dirty="0">
+                <a:solidFill>
+                  <a:srgbClr val="FF0000"/>
+                </a:solidFill>
+              </a:rPr>
+              <a:t>2018.01.01</a:t>
+            </a:r>
+            <a:br>
+              <a:rPr lang="en-US" altLang="ko-KR" sz="1400" b="1" dirty="0">
+                <a:solidFill>
+                  <a:srgbClr val="FF0000"/>
+                </a:solidFill>
+              </a:rPr>
+            </a:br>
+            <a:r>
+              <a:rPr lang="ko-KR" altLang="en-US" sz="1400" b="1" dirty="0"/>
+              <a:t>근태 상황 </a:t>
+            </a:r>
+            <a:r>
+              <a:rPr lang="en-US" altLang="ko-KR" sz="1400" b="1" dirty="0"/>
+              <a:t>(</a:t>
+            </a:r>
+            <a:r>
+              <a:rPr lang="ko-KR" altLang="en-US" sz="1400" b="1" dirty="0"/>
+              <a:t>정상</a:t>
+            </a:r>
+            <a:r>
+              <a:rPr lang="en-US" altLang="ko-KR" sz="1400" b="1" dirty="0"/>
+              <a:t>, </a:t>
+            </a:r>
+            <a:r>
+              <a:rPr lang="ko-KR" altLang="en-US" sz="1400" b="1" dirty="0"/>
+              <a:t>지각</a:t>
+            </a:r>
+            <a:r>
+              <a:rPr lang="en-US" altLang="ko-KR" sz="1400" b="1" dirty="0"/>
+              <a:t>, </a:t>
+            </a:r>
+            <a:r>
+              <a:rPr lang="ko-KR" altLang="en-US" sz="1400" b="1" dirty="0"/>
+              <a:t>조퇴</a:t>
+            </a:r>
+            <a:r>
+              <a:rPr lang="en-US" altLang="ko-KR" sz="1400" b="1" dirty="0"/>
+              <a:t>, </a:t>
+            </a:r>
+            <a:r>
+              <a:rPr lang="ko-KR" altLang="en-US" sz="1400" b="1" dirty="0"/>
+              <a:t>외출</a:t>
+            </a:r>
+            <a:r>
+              <a:rPr lang="en-US" altLang="ko-KR" sz="1400" b="1" dirty="0"/>
+              <a:t>, </a:t>
+            </a:r>
+            <a:r>
+              <a:rPr lang="ko-KR" altLang="en-US" sz="1400" b="1" dirty="0"/>
+              <a:t>병가</a:t>
+            </a:r>
+            <a:r>
+              <a:rPr lang="en-US" altLang="ko-KR" sz="1400" b="1" dirty="0"/>
+              <a:t>, </a:t>
+            </a:r>
+            <a:r>
+              <a:rPr lang="ko-KR" altLang="en-US" sz="1400" b="1" dirty="0"/>
+              <a:t>기타</a:t>
+            </a:r>
+            <a:r>
+              <a:rPr lang="en-US" altLang="ko-KR" sz="1400" b="1" dirty="0"/>
+              <a:t>) : </a:t>
+            </a:r>
+            <a:r>
+              <a:rPr lang="ko-KR" altLang="en-US" sz="1400" b="1" dirty="0">
+                <a:solidFill>
+                  <a:srgbClr val="FF0000"/>
+                </a:solidFill>
+              </a:rPr>
+              <a:t>병가</a:t>
+            </a:r>
+            <a:r>
+              <a:rPr lang="en-US" altLang="ko-KR" sz="1400" b="1" dirty="0">
+                <a:solidFill>
+                  <a:srgbClr val="FF0000"/>
+                </a:solidFill>
+              </a:rPr>
+              <a:t> </a:t>
+            </a:r>
+            <a:br>
+              <a:rPr lang="en-US" altLang="ko-KR" sz="1400" b="1" dirty="0"/>
+            </a:br>
+            <a:r>
+              <a:rPr lang="en-US" altLang="ko-KR" sz="1400" b="1" dirty="0"/>
+              <a:t>------------------------------------------------------------------------------------------------------</a:t>
+            </a:r>
+            <a:br>
+              <a:rPr lang="en-US" altLang="ko-KR" sz="1400" b="1" dirty="0"/>
+            </a:br>
+            <a:r>
+              <a:rPr lang="ko-KR" altLang="en-US" sz="1400" b="1" dirty="0"/>
+              <a:t>정말로 수정하시겠습니까</a:t>
+            </a:r>
+            <a:r>
+              <a:rPr lang="en-US" altLang="ko-KR" sz="1400" b="1" dirty="0"/>
+              <a:t>? (y/n)</a:t>
+            </a:r>
+            <a:br>
+              <a:rPr lang="en-US" altLang="ko-KR" sz="1400" b="1" dirty="0"/>
+            </a:br>
+            <a:br>
+              <a:rPr lang="en-US" altLang="ko-KR" sz="1400" b="1" dirty="0"/>
+            </a:br>
+            <a:r>
+              <a:rPr lang="ko-KR" altLang="en-US" sz="1400" b="1" dirty="0"/>
+              <a:t>■ </a:t>
+            </a:r>
+            <a:r>
+              <a:rPr lang="en-US" altLang="ko-KR" sz="1400" b="1" dirty="0"/>
+              <a:t>y</a:t>
+            </a:r>
+            <a:r>
+              <a:rPr lang="ko-KR" altLang="en-US" sz="1400" b="1" dirty="0" err="1"/>
+              <a:t>선택시</a:t>
+            </a:r>
+            <a:br>
+              <a:rPr lang="en-US" altLang="ko-KR" sz="1400" b="1" dirty="0"/>
+            </a:br>
+            <a:r>
+              <a:rPr lang="ko-KR" altLang="en-US" sz="1400" b="1" dirty="0"/>
+              <a:t>수정이 완료되었습니다</a:t>
+            </a:r>
+            <a:r>
+              <a:rPr lang="en-US" altLang="ko-KR" sz="1400" b="1" dirty="0"/>
+              <a:t>.</a:t>
+            </a:r>
+            <a:br>
+              <a:rPr lang="en-US" altLang="ko-KR" sz="1400" b="1" dirty="0"/>
+            </a:br>
+            <a:br>
+              <a:rPr lang="en-US" altLang="ko-KR" sz="1400" b="1" dirty="0"/>
+            </a:br>
+            <a:r>
+              <a:rPr lang="ko-KR" altLang="en-US" sz="1400" b="1" dirty="0"/>
+              <a:t>■ </a:t>
+            </a:r>
+            <a:r>
+              <a:rPr lang="en-US" altLang="ko-KR" sz="1400" b="1" dirty="0"/>
+              <a:t>n</a:t>
+            </a:r>
+            <a:r>
+              <a:rPr lang="ko-KR" altLang="en-US" sz="1400" b="1" dirty="0" err="1"/>
+              <a:t>선택시</a:t>
+            </a:r>
+            <a:r>
+              <a:rPr lang="ko-KR" altLang="en-US" sz="1400" b="1" dirty="0"/>
+              <a:t> </a:t>
+            </a:r>
+            <a:br>
+              <a:rPr lang="en-US" altLang="ko-KR" sz="1400" b="1" dirty="0"/>
+            </a:br>
+            <a:r>
+              <a:rPr lang="ko-KR" altLang="en-US" sz="1400" b="1" dirty="0"/>
+              <a:t>수정이 취소 되었습니다</a:t>
+            </a:r>
+            <a:r>
+              <a:rPr lang="en-US" altLang="ko-KR" sz="1400" b="1" dirty="0"/>
+              <a:t>.</a:t>
+            </a:r>
             <a:br>
               <a:rPr lang="en-US" altLang="ko-KR" sz="1400" b="1" dirty="0"/>
             </a:br>
@@ -15852,7 +16083,7 @@
         </p:spPr>
         <p:txBody>
           <a:bodyPr vert="horz" lIns="91440" tIns="45720" rIns="91440" bIns="45720" rtlCol="0" anchor="ctr">
-            <a:normAutofit/>
+            <a:normAutofit fontScale="92500" lnSpcReduction="10000"/>
           </a:bodyPr>
           <a:lstStyle/>
           <a:p>
@@ -16183,153 +16414,232 @@
                 <a:spcPct val="0"/>
               </a:spcBef>
             </a:pPr>
-            <a:br>
-              <a:rPr kumimoji="0" lang="en-US" altLang="ko-KR" sz="1400" b="1" i="0" u="none" strike="noStrike" kern="1200" cap="none" spc="0" normalizeH="0" baseline="0" noProof="0" dirty="0">
-                <a:ln>
-                  <a:noFill/>
-                </a:ln>
-                <a:solidFill>
-                  <a:schemeClr val="tx1"/>
-                </a:solidFill>
-                <a:effectLst/>
-                <a:uLnTx/>
-                <a:uFillTx/>
-                <a:latin typeface="+mj-lt"/>
-                <a:ea typeface="+mj-ea"/>
-                <a:cs typeface="+mj-cs"/>
-              </a:rPr>
-            </a:br>
-            <a:endParaRPr kumimoji="0" lang="en-US" altLang="ko-KR" sz="1400" b="1" i="0" u="none" strike="noStrike" kern="1200" cap="none" spc="0" normalizeH="0" baseline="0" noProof="0" dirty="0">
-              <a:ln>
-                <a:noFill/>
-              </a:ln>
-              <a:solidFill>
-                <a:schemeClr val="tx1"/>
-              </a:solidFill>
-              <a:effectLst/>
-              <a:uLnTx/>
-              <a:uFillTx/>
-              <a:latin typeface="+mj-lt"/>
-              <a:ea typeface="+mj-ea"/>
-              <a:cs typeface="+mj-cs"/>
-            </a:endParaRPr>
-          </a:p>
-          <a:p>
-            <a:pPr>
-              <a:spcBef>
-                <a:spcPct val="0"/>
-              </a:spcBef>
-            </a:pPr>
-            <a:endParaRPr lang="en-US" altLang="ko-KR" sz="1400" b="1" dirty="0">
-              <a:latin typeface="+mj-lt"/>
-              <a:ea typeface="+mj-ea"/>
-              <a:cs typeface="+mj-cs"/>
-            </a:endParaRPr>
-          </a:p>
-          <a:p>
-            <a:pPr>
-              <a:spcBef>
-                <a:spcPct val="0"/>
-              </a:spcBef>
-            </a:pPr>
-            <a:r>
-              <a:rPr kumimoji="0" lang="en-US" altLang="ko-KR" sz="1400" b="1" i="0" u="none" strike="noStrike" kern="1200" cap="none" spc="0" normalizeH="0" baseline="0" noProof="0" dirty="0">
-                <a:ln>
-                  <a:noFill/>
-                </a:ln>
-                <a:solidFill>
-                  <a:schemeClr val="tx1"/>
-                </a:solidFill>
-                <a:effectLst/>
-                <a:uLnTx/>
-                <a:uFillTx/>
-                <a:latin typeface="+mj-lt"/>
-                <a:ea typeface="+mj-ea"/>
-                <a:cs typeface="+mj-cs"/>
-              </a:rPr>
+            <a:r>
+              <a:rPr lang="en-US" altLang="ko-KR" sz="1400" b="1" dirty="0"/>
+              <a:t>a. </a:t>
+            </a:r>
+            <a:r>
+              <a:rPr lang="ko-KR" altLang="en-US" sz="1400" b="1" dirty="0"/>
+              <a:t>근태상황 수정</a:t>
+            </a:r>
+            <a:br>
+              <a:rPr lang="en-US" altLang="ko-KR" sz="1400" b="1" dirty="0"/>
+            </a:br>
+            <a:br>
+              <a:rPr lang="en-US" altLang="ko-KR" sz="1400" b="1" dirty="0"/>
+            </a:br>
+            <a:r>
+              <a:rPr lang="en-US" altLang="ko-KR" sz="1400" b="1" dirty="0"/>
               <a:t>z. </a:t>
             </a:r>
             <a:r>
-              <a:rPr kumimoji="0" lang="ko-KR" altLang="en-US" sz="1400" b="1" i="0" u="none" strike="noStrike" kern="1200" cap="none" spc="0" normalizeH="0" baseline="0" noProof="0" dirty="0" err="1">
-                <a:ln>
-                  <a:noFill/>
-                </a:ln>
-                <a:solidFill>
-                  <a:schemeClr val="tx1"/>
-                </a:solidFill>
-                <a:effectLst/>
-                <a:uLnTx/>
-                <a:uFillTx/>
-                <a:latin typeface="+mj-lt"/>
-                <a:ea typeface="+mj-ea"/>
-                <a:cs typeface="+mj-cs"/>
-              </a:rPr>
+              <a:rPr lang="ko-KR" altLang="en-US" sz="1400" b="1" dirty="0" err="1"/>
               <a:t>뒤로가기</a:t>
             </a:r>
             <a:br>
-              <a:rPr kumimoji="0" lang="en-US" altLang="ko-KR" sz="1400" b="1" i="0" u="none" strike="noStrike" kern="1200" cap="none" spc="0" normalizeH="0" baseline="0" noProof="0" dirty="0">
-                <a:ln>
-                  <a:noFill/>
-                </a:ln>
-                <a:solidFill>
-                  <a:schemeClr val="tx1"/>
-                </a:solidFill>
-                <a:effectLst/>
-                <a:uLnTx/>
-                <a:uFillTx/>
-                <a:latin typeface="+mj-lt"/>
-                <a:ea typeface="+mj-ea"/>
-                <a:cs typeface="+mj-cs"/>
-              </a:rPr>
-            </a:br>
-            <a:br>
-              <a:rPr kumimoji="0" lang="en-US" altLang="ko-KR" sz="1400" b="1" i="0" u="none" strike="noStrike" kern="1200" cap="none" spc="0" normalizeH="0" baseline="0" noProof="0" dirty="0">
-                <a:ln>
-                  <a:noFill/>
-                </a:ln>
-                <a:solidFill>
-                  <a:schemeClr val="tx1"/>
-                </a:solidFill>
-                <a:effectLst/>
-                <a:uLnTx/>
-                <a:uFillTx/>
-                <a:latin typeface="+mj-lt"/>
-                <a:ea typeface="+mj-ea"/>
-                <a:cs typeface="+mj-cs"/>
-              </a:rPr>
-            </a:br>
-            <a:br>
-              <a:rPr kumimoji="0" lang="en-US" altLang="ko-KR" sz="1400" b="1" i="0" u="none" strike="noStrike" kern="1200" cap="none" spc="0" normalizeH="0" baseline="0" noProof="0" dirty="0">
-                <a:ln>
-                  <a:noFill/>
-                </a:ln>
-                <a:solidFill>
-                  <a:schemeClr val="tx1"/>
-                </a:solidFill>
-                <a:effectLst/>
-                <a:uLnTx/>
-                <a:uFillTx/>
-                <a:latin typeface="+mj-lt"/>
-                <a:ea typeface="+mj-ea"/>
-                <a:cs typeface="+mj-cs"/>
-              </a:rPr>
-            </a:br>
-            <a:br>
-              <a:rPr kumimoji="0" lang="en-US" altLang="ko-KR" sz="1400" b="1" i="0" u="none" strike="noStrike" kern="1200" cap="none" spc="0" normalizeH="0" baseline="0" noProof="0" dirty="0">
-                <a:ln>
-                  <a:noFill/>
-                </a:ln>
-                <a:solidFill>
-                  <a:schemeClr val="tx1"/>
-                </a:solidFill>
-                <a:effectLst/>
-                <a:uLnTx/>
-                <a:uFillTx/>
-                <a:latin typeface="+mj-lt"/>
-                <a:ea typeface="+mj-ea"/>
-                <a:cs typeface="+mj-cs"/>
-              </a:rPr>
-            </a:br>
+              <a:rPr lang="en-US" altLang="ko-KR" sz="1400" b="1" dirty="0"/>
+            </a:br>
+            <a:r>
+              <a:rPr lang="en-US" altLang="ko-KR" sz="1400" b="1" dirty="0"/>
+              <a:t>------------------------------------------------------------------------------------------------------</a:t>
+            </a:r>
+            <a:br>
+              <a:rPr lang="en-US" altLang="ko-KR" sz="1400" b="1" dirty="0"/>
+            </a:br>
+            <a:r>
+              <a:rPr lang="ko-KR" altLang="en-US" sz="1400" b="1" dirty="0"/>
+              <a:t>■ </a:t>
+            </a:r>
+            <a:r>
+              <a:rPr lang="en-US" altLang="ko-KR" sz="1400" b="1" dirty="0"/>
+              <a:t>a </a:t>
+            </a:r>
+            <a:r>
+              <a:rPr lang="ko-KR" altLang="en-US" sz="1400" b="1" dirty="0" err="1"/>
+              <a:t>선택시</a:t>
+            </a:r>
+            <a:br>
+              <a:rPr lang="en-US" altLang="ko-KR" sz="1400" b="1" dirty="0"/>
+            </a:br>
+            <a:r>
+              <a:rPr lang="ko-KR" altLang="en-US" sz="1400" b="1" dirty="0" err="1"/>
+              <a:t>학생명</a:t>
+            </a:r>
+            <a:r>
+              <a:rPr lang="ko-KR" altLang="en-US" sz="1400" b="1" dirty="0"/>
+              <a:t> 입력 </a:t>
+            </a:r>
+            <a:r>
+              <a:rPr lang="en-US" altLang="ko-KR" sz="1400" b="1" dirty="0"/>
+              <a:t>: </a:t>
+            </a:r>
+            <a:r>
+              <a:rPr lang="ko-KR" altLang="en-US" sz="1400" b="1" dirty="0">
+                <a:solidFill>
+                  <a:srgbClr val="FF0000"/>
+                </a:solidFill>
+              </a:rPr>
+              <a:t>홍길동</a:t>
+            </a:r>
+            <a:br>
+              <a:rPr lang="en-US" altLang="ko-KR" sz="1400" b="1" dirty="0">
+                <a:solidFill>
+                  <a:srgbClr val="FF0000"/>
+                </a:solidFill>
+              </a:rPr>
+            </a:br>
+            <a:r>
+              <a:rPr lang="ko-KR" altLang="en-US" sz="1400" b="1" dirty="0"/>
+              <a:t>근태 상황 </a:t>
+            </a:r>
+            <a:r>
+              <a:rPr lang="en-US" altLang="ko-KR" sz="1400" b="1" dirty="0"/>
+              <a:t>(</a:t>
+            </a:r>
+            <a:r>
+              <a:rPr lang="ko-KR" altLang="en-US" sz="1400" b="1" dirty="0"/>
+              <a:t>정상</a:t>
+            </a:r>
+            <a:r>
+              <a:rPr lang="en-US" altLang="ko-KR" sz="1400" b="1" dirty="0"/>
+              <a:t>, </a:t>
+            </a:r>
+            <a:r>
+              <a:rPr lang="ko-KR" altLang="en-US" sz="1400" b="1" dirty="0"/>
+              <a:t>지각</a:t>
+            </a:r>
+            <a:r>
+              <a:rPr lang="en-US" altLang="ko-KR" sz="1400" b="1" dirty="0"/>
+              <a:t>, </a:t>
+            </a:r>
+            <a:r>
+              <a:rPr lang="ko-KR" altLang="en-US" sz="1400" b="1" dirty="0"/>
+              <a:t>조퇴</a:t>
+            </a:r>
+            <a:r>
+              <a:rPr lang="en-US" altLang="ko-KR" sz="1400" b="1" dirty="0"/>
+              <a:t>, </a:t>
+            </a:r>
+            <a:r>
+              <a:rPr lang="ko-KR" altLang="en-US" sz="1400" b="1" dirty="0"/>
+              <a:t>외출</a:t>
+            </a:r>
+            <a:r>
+              <a:rPr lang="en-US" altLang="ko-KR" sz="1400" b="1" dirty="0"/>
+              <a:t>, </a:t>
+            </a:r>
+            <a:r>
+              <a:rPr lang="ko-KR" altLang="en-US" sz="1400" b="1" dirty="0"/>
+              <a:t>병가</a:t>
+            </a:r>
+            <a:r>
+              <a:rPr lang="en-US" altLang="ko-KR" sz="1400" b="1" dirty="0"/>
+              <a:t>, </a:t>
+            </a:r>
+            <a:r>
+              <a:rPr lang="ko-KR" altLang="en-US" sz="1400" b="1" dirty="0"/>
+              <a:t>기타</a:t>
+            </a:r>
+            <a:r>
+              <a:rPr lang="en-US" altLang="ko-KR" sz="1400" b="1" dirty="0"/>
+              <a:t>) : </a:t>
+            </a:r>
+            <a:r>
+              <a:rPr lang="ko-KR" altLang="en-US" sz="1400" b="1" dirty="0">
+                <a:solidFill>
+                  <a:srgbClr val="FF0000"/>
+                </a:solidFill>
+              </a:rPr>
+              <a:t>병가</a:t>
+            </a:r>
+            <a:r>
+              <a:rPr lang="en-US" altLang="ko-KR" sz="1400" b="1" dirty="0">
+                <a:solidFill>
+                  <a:srgbClr val="FF0000"/>
+                </a:solidFill>
+              </a:rPr>
+              <a:t> </a:t>
+            </a:r>
+            <a:br>
+              <a:rPr lang="en-US" altLang="ko-KR" sz="1400" b="1" dirty="0"/>
+            </a:br>
+            <a:r>
+              <a:rPr lang="en-US" altLang="ko-KR" sz="1400" b="1" dirty="0"/>
+              <a:t>------------------------------------------------------------------------------------------------------</a:t>
+            </a:r>
+            <a:br>
+              <a:rPr lang="en-US" altLang="ko-KR" sz="1400" b="1" dirty="0"/>
+            </a:br>
+            <a:r>
+              <a:rPr lang="ko-KR" altLang="en-US" sz="1400" b="1" dirty="0"/>
+              <a:t>정말로 수정하시겠습니까</a:t>
+            </a:r>
+            <a:r>
+              <a:rPr lang="en-US" altLang="ko-KR" sz="1400" b="1" dirty="0"/>
+              <a:t>? (y/n)</a:t>
+            </a:r>
+            <a:br>
+              <a:rPr lang="en-US" altLang="ko-KR" sz="1400" b="1" dirty="0"/>
+            </a:br>
+            <a:br>
+              <a:rPr lang="en-US" altLang="ko-KR" sz="1400" b="1" dirty="0"/>
+            </a:br>
+            <a:r>
+              <a:rPr lang="ko-KR" altLang="en-US" sz="1400" b="1" dirty="0"/>
+              <a:t>■ </a:t>
+            </a:r>
+            <a:r>
+              <a:rPr lang="en-US" altLang="ko-KR" sz="1400" b="1" dirty="0"/>
+              <a:t>y</a:t>
+            </a:r>
+            <a:r>
+              <a:rPr lang="ko-KR" altLang="en-US" sz="1400" b="1" dirty="0" err="1"/>
+              <a:t>선택시</a:t>
+            </a:r>
+            <a:br>
+              <a:rPr lang="en-US" altLang="ko-KR" sz="1400" b="1" dirty="0"/>
+            </a:br>
+            <a:r>
+              <a:rPr lang="ko-KR" altLang="en-US" sz="1400" b="1" dirty="0"/>
+              <a:t>수정이 완료되었습니다</a:t>
+            </a:r>
+            <a:r>
+              <a:rPr lang="en-US" altLang="ko-KR" sz="1400" b="1" dirty="0"/>
+              <a:t>.</a:t>
+            </a:r>
+            <a:br>
+              <a:rPr lang="en-US" altLang="ko-KR" sz="1400" b="1" dirty="0"/>
+            </a:br>
+            <a:br>
+              <a:rPr lang="en-US" altLang="ko-KR" sz="1400" b="1" dirty="0"/>
+            </a:br>
+            <a:r>
+              <a:rPr lang="ko-KR" altLang="en-US" sz="1400" b="1" dirty="0"/>
+              <a:t>■ </a:t>
+            </a:r>
+            <a:r>
+              <a:rPr lang="en-US" altLang="ko-KR" sz="1400" b="1" dirty="0"/>
+              <a:t>n</a:t>
+            </a:r>
+            <a:r>
+              <a:rPr lang="ko-KR" altLang="en-US" sz="1400" b="1" dirty="0" err="1"/>
+              <a:t>선택시</a:t>
+            </a:r>
+            <a:r>
+              <a:rPr lang="ko-KR" altLang="en-US" sz="1400" b="1" dirty="0"/>
+              <a:t> </a:t>
+            </a:r>
+            <a:br>
+              <a:rPr lang="en-US" altLang="ko-KR" sz="1400" b="1" dirty="0"/>
+            </a:br>
+            <a:r>
+              <a:rPr lang="ko-KR" altLang="en-US" sz="1400" b="1" dirty="0"/>
+              <a:t>수정이 취소 되었습니다</a:t>
+            </a:r>
+            <a:r>
+              <a:rPr lang="en-US" altLang="ko-KR" sz="1400" b="1" dirty="0"/>
+              <a:t>.</a:t>
+            </a:r>
             <a:br>
               <a:rPr kumimoji="0" lang="en-US" altLang="ko-KR" sz="1400" b="1" i="0" u="none" strike="noStrike" kern="1200" cap="none" spc="0" normalizeH="0" baseline="0" noProof="0" dirty="0">
                 <a:ln>
@@ -16558,7 +16868,7 @@
                 <a:ea typeface="+mj-ea"/>
                 <a:cs typeface="+mj-cs"/>
               </a:rPr>
-              <a:t>			1. </a:t>
+              <a:t>		1. </a:t>
             </a:r>
             <a:r>
               <a:rPr kumimoji="0" lang="ko-KR" altLang="en-US" sz="1400" b="1" i="0" u="none" strike="noStrike" kern="1200" cap="none" spc="0" normalizeH="0" baseline="0" noProof="0" dirty="0">
@@ -16662,7 +16972,7 @@
                 <a:ea typeface="+mj-ea"/>
                 <a:cs typeface="+mj-cs"/>
               </a:rPr>
-              <a:t>1. </a:t>
+              <a:t>a. </a:t>
             </a:r>
             <a:r>
               <a:rPr kumimoji="0" lang="ko-KR" altLang="en-US" sz="1400" b="1" i="0" u="none" strike="noStrike" kern="1200" cap="none" spc="0" normalizeH="0" baseline="0" noProof="0" dirty="0">
@@ -16679,7 +16989,7 @@
                 <a:ea typeface="+mj-ea"/>
                 <a:cs typeface="+mj-cs"/>
               </a:rPr>
-              <a:t>질문지 추가</a:t>
+              <a:t>질문지 등록</a:t>
             </a:r>
             <a:endParaRPr kumimoji="0" lang="en-US" altLang="ko-KR" sz="1400" b="1" i="0" u="none" strike="noStrike" kern="1200" cap="none" spc="0" normalizeH="0" baseline="0" noProof="0" dirty="0">
               <a:ln>
@@ -16708,7 +17018,7 @@
                 <a:ea typeface="+mj-ea"/>
                 <a:cs typeface="+mj-cs"/>
               </a:rPr>
-              <a:t>2. </a:t>
+              <a:t>b. </a:t>
             </a:r>
             <a:r>
               <a:rPr lang="ko-KR" altLang="en-US" sz="1400" b="1" dirty="0">
@@ -16731,14 +17041,6 @@
               </a:spcBef>
             </a:pPr>
             <a:r>
-              <a:rPr lang="en-US" altLang="ko-KR" sz="1400" b="1" dirty="0">
-                <a:latin typeface="+mj-lt"/>
-                <a:ea typeface="+mj-ea"/>
-                <a:cs typeface="+mj-cs"/>
-              </a:rPr>
-              <a:t>3</a:t>
-            </a:r>
-            <a:r>
               <a:rPr kumimoji="0" lang="en-US" altLang="ko-KR" sz="1400" b="1" i="0" u="none" strike="noStrike" kern="1200" cap="none" spc="0" normalizeH="0" baseline="0" noProof="0" dirty="0">
                 <a:ln>
                   <a:noFill/>
@@ -16753,7 +17055,7 @@
                 <a:ea typeface="+mj-ea"/>
                 <a:cs typeface="+mj-cs"/>
               </a:rPr>
-              <a:t>. </a:t>
+              <a:t>c. </a:t>
             </a:r>
             <a:r>
               <a:rPr kumimoji="0" lang="ko-KR" altLang="en-US" sz="1400" b="1" i="0" u="none" strike="noStrike" kern="1200" cap="none" spc="0" normalizeH="0" baseline="0" noProof="0" dirty="0">
@@ -17524,7 +17826,7 @@
             </a:r>
             <a:r>
               <a:rPr lang="en-US" altLang="ko-KR" sz="1400" b="1" dirty="0"/>
-              <a:t>- 1. </a:t>
+              <a:t>- a. </a:t>
             </a:r>
             <a:r>
               <a:rPr lang="ko-KR" altLang="en-US" sz="1400" b="1" dirty="0"/>
@@ -17785,7 +18087,7 @@
             </a:pPr>
             <a:r>
               <a:rPr lang="ko-KR" altLang="en-US" sz="1400" b="1" dirty="0"/>
-              <a:t>정말로 수정하시겠습니까</a:t>
+              <a:t>이대로 등록하시겠습니까</a:t>
             </a:r>
             <a:r>
               <a:rPr lang="en-US" altLang="ko-KR" sz="1400" b="1" dirty="0"/>
@@ -17823,7 +18125,7 @@
             </a:br>
             <a:r>
               <a:rPr lang="ko-KR" altLang="en-US" sz="1400" b="1" dirty="0"/>
-              <a:t>수정이 완료되었습니다</a:t>
+              <a:t>등록이 완료되었습니다</a:t>
             </a:r>
             <a:r>
               <a:rPr lang="en-US" altLang="ko-KR" sz="1400" b="1" dirty="0"/>
@@ -17861,13 +18163,55 @@
             </a:br>
             <a:r>
               <a:rPr lang="ko-KR" altLang="en-US" sz="1400" b="1" dirty="0"/>
-              <a:t>수정이 취소 되었습니다</a:t>
+              <a:t>등록이 취소 되었습니다</a:t>
             </a:r>
             <a:r>
               <a:rPr lang="en-US" altLang="ko-KR" sz="1400" b="1" dirty="0"/>
               <a:t>. </a:t>
             </a:r>
             <a:endParaRPr lang="en-US" altLang="ko-KR" sz="1400" b="1" dirty="0">
+              <a:latin typeface="+mj-lt"/>
+              <a:ea typeface="+mj-ea"/>
+              <a:cs typeface="+mj-cs"/>
+            </a:endParaRPr>
+          </a:p>
+          <a:p>
+            <a:pPr>
+              <a:spcBef>
+                <a:spcPct val="0"/>
+              </a:spcBef>
+            </a:pPr>
+            <a:endParaRPr kumimoji="0" lang="en-US" altLang="ko-KR" sz="1400" b="1" i="0" u="none" strike="noStrike" kern="1200" cap="none" spc="0" normalizeH="0" baseline="0" noProof="0" dirty="0">
+              <a:ln>
+                <a:noFill/>
+              </a:ln>
+              <a:solidFill>
+                <a:schemeClr val="tx1"/>
+              </a:solidFill>
+              <a:effectLst/>
+              <a:uLnTx/>
+              <a:uFillTx/>
+              <a:latin typeface="+mj-lt"/>
+              <a:ea typeface="+mj-ea"/>
+              <a:cs typeface="+mj-cs"/>
+            </a:endParaRPr>
+          </a:p>
+          <a:p>
+            <a:pPr>
+              <a:spcBef>
+                <a:spcPct val="0"/>
+              </a:spcBef>
+            </a:pPr>
+            <a:endParaRPr kumimoji="0" lang="en-US" altLang="ko-KR" sz="1400" b="1" i="0" u="none" strike="noStrike" kern="1200" cap="none" spc="0" normalizeH="0" baseline="0" noProof="0" dirty="0">
+              <a:ln>
+                <a:noFill/>
+              </a:ln>
+              <a:solidFill>
+                <a:schemeClr val="tx1"/>
+              </a:solidFill>
+              <a:effectLst/>
+              <a:uLnTx/>
+              <a:uFillTx/>
               <a:latin typeface="+mj-lt"/>
               <a:ea typeface="+mj-ea"/>
               <a:cs typeface="+mj-cs"/>
@@ -18137,7 +18481,7 @@
             </a:r>
             <a:r>
               <a:rPr lang="en-US" altLang="ko-KR" sz="1400" b="1" dirty="0"/>
-              <a:t>- 2. </a:t>
+              <a:t>- b. </a:t>
             </a:r>
             <a:r>
               <a:rPr lang="ko-KR" altLang="en-US" sz="1400" b="1" dirty="0"/>
@@ -18540,6 +18884,14 @@
               </a:spcBef>
             </a:pPr>
             <a:r>
+              <a:rPr lang="en-US" altLang="ko-KR" sz="1400" b="1" dirty="0">
+                <a:latin typeface="+mj-lt"/>
+                <a:ea typeface="+mj-ea"/>
+                <a:cs typeface="+mj-cs"/>
+              </a:rPr>
+              <a:t>z</a:t>
+            </a:r>
+            <a:r>
               <a:rPr kumimoji="0" lang="en-US" altLang="ko-KR" sz="1400" b="1" i="0" u="none" strike="noStrike" kern="1200" cap="none" spc="0" normalizeH="0" baseline="0" noProof="0" dirty="0">
                 <a:ln>
                   <a:noFill/>
@@ -18554,7 +18906,7 @@
                 <a:ea typeface="+mj-ea"/>
                 <a:cs typeface="+mj-cs"/>
               </a:rPr>
-              <a:t>0.  </a:t>
+              <a:t>.  </a:t>
             </a:r>
             <a:r>
               <a:rPr kumimoji="0" lang="ko-KR" altLang="en-US" sz="1400" b="1" i="0" u="none" strike="noStrike" kern="1200" cap="none" spc="0" normalizeH="0" baseline="0" noProof="0" dirty="0" err="1">
@@ -18605,6 +18957,27 @@
                 <a:cs typeface="+mj-cs"/>
               </a:rPr>
             </a:br>
+            <a:endParaRPr kumimoji="0" lang="en-US" altLang="ko-KR" sz="1400" b="1" i="0" u="none" strike="noStrike" kern="1200" cap="none" spc="0" normalizeH="0" baseline="0" noProof="0" dirty="0">
+              <a:ln>
+                <a:noFill/>
+              </a:ln>
+              <a:solidFill>
+                <a:schemeClr val="tx1"/>
+              </a:solidFill>
+              <a:effectLst/>
+              <a:uLnTx/>
+              <a:uFillTx/>
+              <a:latin typeface="+mj-lt"/>
+              <a:ea typeface="+mj-ea"/>
+              <a:cs typeface="+mj-cs"/>
+            </a:endParaRPr>
+          </a:p>
+          <a:p>
+            <a:pPr>
+              <a:spcBef>
+                <a:spcPct val="0"/>
+              </a:spcBef>
+            </a:pPr>
             <a:br>
               <a:rPr kumimoji="0" lang="en-US" altLang="ko-KR" sz="1400" b="1" i="0" u="none" strike="noStrike" kern="1200" cap="none" spc="0" normalizeH="0" baseline="0" noProof="0" dirty="0">
                 <a:ln>
@@ -18850,7 +19223,7 @@
             </a:r>
             <a:r>
               <a:rPr lang="en-US" altLang="ko-KR" sz="1400" b="1" dirty="0"/>
-              <a:t>- 2. </a:t>
+              <a:t>- b. </a:t>
             </a:r>
             <a:r>
               <a:rPr lang="ko-KR" altLang="en-US" sz="1400" b="1" dirty="0"/>
@@ -19156,6 +19529,54 @@
                 <a:spcPct val="0"/>
               </a:spcBef>
             </a:pPr>
+            <a:endParaRPr lang="en-US" altLang="ko-KR" sz="1400" b="1" dirty="0">
+              <a:latin typeface="+mj-lt"/>
+              <a:ea typeface="+mj-ea"/>
+              <a:cs typeface="+mj-cs"/>
+            </a:endParaRPr>
+          </a:p>
+          <a:p>
+            <a:pPr>
+              <a:spcBef>
+                <a:spcPct val="0"/>
+              </a:spcBef>
+            </a:pPr>
+            <a:endParaRPr lang="en-US" altLang="ko-KR" sz="1400" b="1" dirty="0">
+              <a:latin typeface="+mj-lt"/>
+              <a:ea typeface="+mj-ea"/>
+              <a:cs typeface="+mj-cs"/>
+            </a:endParaRPr>
+          </a:p>
+          <a:p>
+            <a:pPr>
+              <a:spcBef>
+                <a:spcPct val="0"/>
+              </a:spcBef>
+            </a:pPr>
+            <a:endParaRPr lang="en-US" altLang="ko-KR" sz="1400" b="1" dirty="0">
+              <a:latin typeface="+mj-lt"/>
+              <a:ea typeface="+mj-ea"/>
+              <a:cs typeface="+mj-cs"/>
+            </a:endParaRPr>
+          </a:p>
+          <a:p>
+            <a:pPr>
+              <a:spcBef>
+                <a:spcPct val="0"/>
+              </a:spcBef>
+            </a:pPr>
+            <a:endParaRPr lang="en-US" altLang="ko-KR" sz="1400" b="1" dirty="0">
+              <a:latin typeface="+mj-lt"/>
+              <a:ea typeface="+mj-ea"/>
+              <a:cs typeface="+mj-cs"/>
+            </a:endParaRPr>
+          </a:p>
+          <a:p>
+            <a:pPr>
+              <a:spcBef>
+                <a:spcPct val="0"/>
+              </a:spcBef>
+            </a:pPr>
             <a:endParaRPr kumimoji="0" lang="en-US" altLang="ko-KR" sz="1400" b="1" i="0" u="none" strike="noStrike" kern="1200" cap="none" spc="0" normalizeH="0" baseline="0" noProof="0" dirty="0">
               <a:ln>
                 <a:noFill/>
@@ -19178,6 +19599,14 @@
               </a:spcBef>
             </a:pPr>
             <a:r>
+              <a:rPr lang="en-US" altLang="ko-KR" sz="1400" b="1" dirty="0">
+                <a:latin typeface="+mj-lt"/>
+                <a:ea typeface="+mj-ea"/>
+                <a:cs typeface="+mj-cs"/>
+              </a:rPr>
+              <a:t>z</a:t>
+            </a:r>
+            <a:r>
               <a:rPr kumimoji="0" lang="en-US" altLang="ko-KR" sz="1400" b="1" i="0" u="none" strike="noStrike" kern="1200" cap="none" spc="0" normalizeH="0" baseline="0" noProof="0" dirty="0">
                 <a:ln>
                   <a:noFill/>
@@ -19192,7 +19621,7 @@
                 <a:ea typeface="+mj-ea"/>
                 <a:cs typeface="+mj-cs"/>
               </a:rPr>
-              <a:t>0.  </a:t>
+              <a:t>.  </a:t>
             </a:r>
             <a:r>
               <a:rPr kumimoji="0" lang="ko-KR" altLang="en-US" sz="1400" b="1" i="0" u="none" strike="noStrike" kern="1200" cap="none" spc="0" normalizeH="0" baseline="0" noProof="0" dirty="0" err="1">
@@ -19488,7 +19917,7 @@
             </a:r>
             <a:r>
               <a:rPr lang="en-US" altLang="ko-KR" sz="1400" b="1" dirty="0"/>
-              <a:t>- 2. </a:t>
+              <a:t>- b. </a:t>
             </a:r>
             <a:r>
               <a:rPr lang="ko-KR" altLang="en-US" sz="1400" b="1" dirty="0"/>
@@ -19847,6 +20276,39 @@
               <a:rPr lang="en-US" altLang="ko-KR" sz="1400" b="1" dirty="0"/>
               <a:t>. </a:t>
             </a:r>
+            <a:endParaRPr lang="en-US" altLang="ko-KR" sz="1400" b="1" dirty="0">
+              <a:latin typeface="+mj-lt"/>
+              <a:ea typeface="+mj-ea"/>
+              <a:cs typeface="+mj-cs"/>
+            </a:endParaRPr>
+          </a:p>
+          <a:p>
+            <a:pPr>
+              <a:spcBef>
+                <a:spcPct val="0"/>
+              </a:spcBef>
+            </a:pPr>
+            <a:endParaRPr kumimoji="0" lang="en-US" altLang="ko-KR" sz="1400" b="1" i="0" u="none" strike="noStrike" kern="1200" cap="none" spc="0" normalizeH="0" baseline="0" noProof="0" dirty="0">
+              <a:ln>
+                <a:noFill/>
+              </a:ln>
+              <a:solidFill>
+                <a:schemeClr val="tx1"/>
+              </a:solidFill>
+              <a:effectLst/>
+              <a:uLnTx/>
+              <a:uFillTx/>
+              <a:latin typeface="+mj-lt"/>
+              <a:ea typeface="+mj-ea"/>
+              <a:cs typeface="+mj-cs"/>
+            </a:endParaRPr>
+          </a:p>
+          <a:p>
+            <a:pPr>
+              <a:spcBef>
+                <a:spcPct val="0"/>
+              </a:spcBef>
+            </a:pPr>
             <a:endParaRPr lang="en-US" altLang="ko-KR" sz="1400" b="1" dirty="0">
               <a:latin typeface="+mj-lt"/>
               <a:ea typeface="+mj-ea"/>
@@ -20109,7 +20571,7 @@
             </a:r>
             <a:r>
               <a:rPr lang="en-US" altLang="ko-KR" sz="1400" b="1" dirty="0"/>
-              <a:t>- 2. </a:t>
+              <a:t>- b. </a:t>
             </a:r>
             <a:r>
               <a:rPr lang="ko-KR" altLang="en-US" sz="1400" b="1" dirty="0"/>
@@ -20504,6 +20966,27 @@
                 <a:spcPct val="0"/>
               </a:spcBef>
             </a:pPr>
+            <a:endParaRPr kumimoji="0" lang="en-US" altLang="ko-KR" sz="1400" b="1" i="0" u="none" strike="noStrike" kern="1200" cap="none" spc="0" normalizeH="0" baseline="0" noProof="0" dirty="0">
+              <a:ln>
+                <a:noFill/>
+              </a:ln>
+              <a:solidFill>
+                <a:schemeClr val="tx1"/>
+              </a:solidFill>
+              <a:effectLst/>
+              <a:uLnTx/>
+              <a:uFillTx/>
+              <a:latin typeface="+mj-lt"/>
+              <a:ea typeface="+mj-ea"/>
+              <a:cs typeface="+mj-cs"/>
+            </a:endParaRPr>
+          </a:p>
+          <a:p>
+            <a:pPr>
+              <a:spcBef>
+                <a:spcPct val="0"/>
+              </a:spcBef>
+            </a:pPr>
             <a:br>
               <a:rPr kumimoji="0" lang="en-US" altLang="ko-KR" sz="1400" b="1" i="0" u="none" strike="noStrike" kern="1200" cap="none" spc="0" normalizeH="0" baseline="0" noProof="0" dirty="0">
                 <a:ln>
@@ -20595,6 +21078,362 @@
 </file>
 
 <file path=ppt/slides/slide55.xml><?xml version="1.0" encoding="utf-8"?>
+<p:sld xmlns:a="http://schemas.openxmlformats.org/drawingml/2006/main" xmlns:r="http://schemas.openxmlformats.org/officeDocument/2006/relationships" xmlns:p="http://schemas.openxmlformats.org/presentationml/2006/main">
+  <p:cSld>
+    <p:spTree>
+      <p:nvGrpSpPr>
+        <p:cNvPr id="1" name=""/>
+        <p:cNvGrpSpPr/>
+        <p:nvPr/>
+      </p:nvGrpSpPr>
+      <p:grpSpPr>
+        <a:xfrm>
+          <a:off x="0" y="0"/>
+          <a:ext cx="0" cy="0"/>
+          <a:chOff x="0" y="0"/>
+          <a:chExt cx="0" cy="0"/>
+        </a:xfrm>
+      </p:grpSpPr>
+      <p:sp>
+        <p:nvSpPr>
+          <p:cNvPr id="5" name="제목 1"/>
+          <p:cNvSpPr txBox="1">
+            <a:spLocks/>
+          </p:cNvSpPr>
+          <p:nvPr/>
+        </p:nvSpPr>
+        <p:spPr>
+          <a:xfrm>
+            <a:off x="685800" y="714356"/>
+            <a:ext cx="7772400" cy="5500725"/>
+          </a:xfrm>
+          <a:prstGeom prst="rect">
+            <a:avLst/>
+          </a:prstGeom>
+        </p:spPr>
+        <p:txBody>
+          <a:bodyPr vert="horz" lIns="91440" tIns="45720" rIns="91440" bIns="45720" rtlCol="0" anchor="ctr">
+            <a:normAutofit/>
+          </a:bodyPr>
+          <a:lstStyle/>
+          <a:p>
+            <a:pPr>
+              <a:spcBef>
+                <a:spcPct val="0"/>
+              </a:spcBef>
+            </a:pPr>
+            <a:r>
+              <a:rPr kumimoji="0" lang="en-US" altLang="ko-KR" sz="1400" b="1" i="0" u="none" strike="noStrike" kern="1200" cap="none" spc="0" normalizeH="0" baseline="0" noProof="0" dirty="0">
+                <a:ln>
+                  <a:noFill/>
+                </a:ln>
+                <a:solidFill>
+                  <a:schemeClr val="tx1"/>
+                </a:solidFill>
+                <a:effectLst/>
+                <a:uLnTx/>
+                <a:uFillTx/>
+                <a:latin typeface="+mj-lt"/>
+                <a:ea typeface="+mj-ea"/>
+                <a:cs typeface="+mj-cs"/>
+              </a:rPr>
+              <a:t>===========================================================</a:t>
+            </a:r>
+            <a:br>
+              <a:rPr kumimoji="0" lang="en-US" altLang="ko-KR" sz="1400" b="1" i="0" u="none" strike="noStrike" kern="1200" cap="none" spc="0" normalizeH="0" baseline="0" noProof="0" dirty="0">
+                <a:ln>
+                  <a:noFill/>
+                </a:ln>
+                <a:solidFill>
+                  <a:schemeClr val="tx1"/>
+                </a:solidFill>
+                <a:effectLst/>
+                <a:uLnTx/>
+                <a:uFillTx/>
+                <a:latin typeface="+mj-lt"/>
+                <a:ea typeface="+mj-ea"/>
+                <a:cs typeface="+mj-cs"/>
+              </a:rPr>
+            </a:br>
+            <a:r>
+              <a:rPr lang="en-US" altLang="ko-KR" sz="1400" b="1" dirty="0">
+                <a:latin typeface="+mj-lt"/>
+                <a:ea typeface="+mj-ea"/>
+                <a:cs typeface="+mj-cs"/>
+              </a:rPr>
+              <a:t>	</a:t>
+            </a:r>
+            <a:r>
+              <a:rPr kumimoji="0" lang="en-US" altLang="ko-KR" sz="1400" b="1" i="0" u="none" strike="noStrike" kern="1200" cap="none" spc="0" normalizeH="0" baseline="0" noProof="0" dirty="0">
+                <a:ln>
+                  <a:noFill/>
+                </a:ln>
+                <a:solidFill>
+                  <a:schemeClr val="tx1"/>
+                </a:solidFill>
+                <a:effectLst/>
+                <a:uLnTx/>
+                <a:uFillTx/>
+                <a:latin typeface="+mj-lt"/>
+                <a:ea typeface="+mj-ea"/>
+                <a:cs typeface="+mj-cs"/>
+              </a:rPr>
+              <a:t>1. </a:t>
+            </a:r>
+            <a:r>
+              <a:rPr kumimoji="0" lang="ko-KR" altLang="en-US" sz="1400" b="1" i="0" u="none" strike="noStrike" kern="1200" cap="none" spc="0" normalizeH="0" baseline="0" noProof="0" dirty="0">
+                <a:ln>
+                  <a:noFill/>
+                </a:ln>
+                <a:solidFill>
+                  <a:schemeClr val="tx1"/>
+                </a:solidFill>
+                <a:effectLst/>
+                <a:uLnTx/>
+                <a:uFillTx/>
+                <a:latin typeface="+mj-lt"/>
+                <a:ea typeface="+mj-ea"/>
+                <a:cs typeface="+mj-cs"/>
+              </a:rPr>
+              <a:t>관리자 </a:t>
+            </a:r>
+            <a:r>
+              <a:rPr kumimoji="0" lang="en-US" altLang="ko-KR" sz="1400" b="1" i="0" u="none" strike="noStrike" kern="1200" cap="none" spc="0" normalizeH="0" baseline="0" noProof="0" dirty="0">
+                <a:ln>
+                  <a:noFill/>
+                </a:ln>
+                <a:solidFill>
+                  <a:schemeClr val="tx1"/>
+                </a:solidFill>
+                <a:effectLst/>
+                <a:uLnTx/>
+                <a:uFillTx/>
+                <a:latin typeface="+mj-lt"/>
+                <a:ea typeface="+mj-ea"/>
+                <a:cs typeface="+mj-cs"/>
+              </a:rPr>
+              <a:t>– 6</a:t>
+            </a:r>
+            <a:r>
+              <a:rPr lang="en-US" altLang="ko-KR" sz="1400" b="1" dirty="0"/>
+              <a:t>. </a:t>
+            </a:r>
+            <a:r>
+              <a:rPr lang="ko-KR" altLang="en-US" sz="1400" b="1" dirty="0"/>
+              <a:t>교사 평가 관리 및 결과 조회 </a:t>
+            </a:r>
+            <a:r>
+              <a:rPr lang="en-US" altLang="ko-KR" sz="1400" b="1" dirty="0"/>
+              <a:t>- c. </a:t>
+            </a:r>
+            <a:r>
+              <a:rPr lang="ko-KR" altLang="en-US" sz="1400" b="1" dirty="0"/>
+              <a:t>교사 평가 결과 조회 및 삭제</a:t>
+            </a:r>
+            <a:endParaRPr lang="en-US" altLang="ko-KR" sz="1400" b="1" dirty="0">
+              <a:latin typeface="+mj-lt"/>
+              <a:ea typeface="+mj-ea"/>
+              <a:cs typeface="+mj-cs"/>
+            </a:endParaRPr>
+          </a:p>
+          <a:p>
+            <a:pPr>
+              <a:spcBef>
+                <a:spcPct val="0"/>
+              </a:spcBef>
+            </a:pPr>
+            <a:r>
+              <a:rPr kumimoji="0" lang="en-US" altLang="ko-KR" sz="1400" b="1" i="0" u="none" strike="noStrike" kern="1200" cap="none" spc="0" normalizeH="0" baseline="0" noProof="0" dirty="0">
+                <a:ln>
+                  <a:noFill/>
+                </a:ln>
+                <a:solidFill>
+                  <a:schemeClr val="tx1"/>
+                </a:solidFill>
+                <a:effectLst/>
+                <a:uLnTx/>
+                <a:uFillTx/>
+                <a:latin typeface="+mj-lt"/>
+                <a:ea typeface="+mj-ea"/>
+                <a:cs typeface="+mj-cs"/>
+              </a:rPr>
+              <a:t>===========================================================</a:t>
+            </a:r>
+            <a:br>
+              <a:rPr kumimoji="0" lang="en-US" altLang="ko-KR" sz="1400" b="1" i="0" u="none" strike="noStrike" kern="1200" cap="none" spc="0" normalizeH="0" baseline="0" noProof="0" dirty="0">
+                <a:ln>
+                  <a:noFill/>
+                </a:ln>
+                <a:solidFill>
+                  <a:schemeClr val="tx1"/>
+                </a:solidFill>
+                <a:effectLst/>
+                <a:uLnTx/>
+                <a:uFillTx/>
+                <a:latin typeface="+mj-lt"/>
+                <a:ea typeface="+mj-ea"/>
+                <a:cs typeface="+mj-cs"/>
+              </a:rPr>
+            </a:br>
+            <a:endParaRPr kumimoji="0" lang="en-US" altLang="ko-KR" sz="1400" b="1" i="0" u="none" strike="noStrike" kern="1200" cap="none" spc="0" normalizeH="0" baseline="0" noProof="0" dirty="0">
+              <a:ln>
+                <a:noFill/>
+              </a:ln>
+              <a:solidFill>
+                <a:schemeClr val="tx1"/>
+              </a:solidFill>
+              <a:effectLst/>
+              <a:uLnTx/>
+              <a:uFillTx/>
+              <a:latin typeface="+mj-lt"/>
+              <a:ea typeface="+mj-ea"/>
+              <a:cs typeface="+mj-cs"/>
+            </a:endParaRPr>
+          </a:p>
+          <a:p>
+            <a:pPr>
+              <a:spcBef>
+                <a:spcPct val="0"/>
+              </a:spcBef>
+            </a:pPr>
+            <a:endParaRPr kumimoji="0" lang="en-US" altLang="ko-KR" sz="1400" b="1" i="0" u="none" strike="noStrike" kern="1200" cap="none" spc="0" normalizeH="0" baseline="0" noProof="0" dirty="0">
+              <a:ln>
+                <a:noFill/>
+              </a:ln>
+              <a:solidFill>
+                <a:schemeClr val="tx1"/>
+              </a:solidFill>
+              <a:effectLst/>
+              <a:uLnTx/>
+              <a:uFillTx/>
+              <a:latin typeface="+mj-lt"/>
+              <a:ea typeface="+mj-ea"/>
+              <a:cs typeface="+mj-cs"/>
+            </a:endParaRPr>
+          </a:p>
+          <a:p>
+            <a:pPr>
+              <a:spcBef>
+                <a:spcPct val="0"/>
+              </a:spcBef>
+            </a:pPr>
+            <a:endParaRPr kumimoji="0" lang="en-US" altLang="ko-KR" sz="1400" b="1" i="0" u="none" strike="noStrike" kern="1200" cap="none" spc="0" normalizeH="0" baseline="0" noProof="0" dirty="0">
+              <a:ln>
+                <a:noFill/>
+              </a:ln>
+              <a:solidFill>
+                <a:schemeClr val="tx1"/>
+              </a:solidFill>
+              <a:effectLst/>
+              <a:uLnTx/>
+              <a:uFillTx/>
+              <a:latin typeface="+mj-lt"/>
+              <a:ea typeface="+mj-ea"/>
+              <a:cs typeface="+mj-cs"/>
+            </a:endParaRPr>
+          </a:p>
+          <a:p>
+            <a:pPr>
+              <a:spcBef>
+                <a:spcPct val="0"/>
+              </a:spcBef>
+            </a:pPr>
+            <a:br>
+              <a:rPr kumimoji="0" lang="en-US" altLang="ko-KR" sz="1400" b="1" i="0" u="none" strike="noStrike" kern="1200" cap="none" spc="0" normalizeH="0" baseline="0" noProof="0" dirty="0">
+                <a:ln>
+                  <a:noFill/>
+                </a:ln>
+                <a:solidFill>
+                  <a:schemeClr val="tx1"/>
+                </a:solidFill>
+                <a:effectLst/>
+                <a:uLnTx/>
+                <a:uFillTx/>
+                <a:latin typeface="+mj-lt"/>
+                <a:ea typeface="+mj-ea"/>
+                <a:cs typeface="+mj-cs"/>
+              </a:rPr>
+            </a:br>
+            <a:br>
+              <a:rPr kumimoji="0" lang="en-US" altLang="ko-KR" sz="1400" b="1" i="0" u="none" strike="noStrike" kern="1200" cap="none" spc="0" normalizeH="0" baseline="0" noProof="0" dirty="0">
+                <a:ln>
+                  <a:noFill/>
+                </a:ln>
+                <a:solidFill>
+                  <a:schemeClr val="tx1"/>
+                </a:solidFill>
+                <a:effectLst/>
+                <a:uLnTx/>
+                <a:uFillTx/>
+                <a:latin typeface="+mj-lt"/>
+                <a:ea typeface="+mj-ea"/>
+                <a:cs typeface="+mj-cs"/>
+              </a:rPr>
+            </a:br>
+            <a:r>
+              <a:rPr kumimoji="0" lang="en-US" altLang="ko-KR" sz="1400" b="1" i="0" u="none" strike="noStrike" kern="1200" cap="none" spc="0" normalizeH="0" baseline="0" noProof="0" dirty="0">
+                <a:ln>
+                  <a:noFill/>
+                </a:ln>
+                <a:solidFill>
+                  <a:schemeClr val="tx1"/>
+                </a:solidFill>
+                <a:effectLst/>
+                <a:uLnTx/>
+                <a:uFillTx/>
+                <a:latin typeface="+mj-lt"/>
+                <a:ea typeface="+mj-ea"/>
+                <a:cs typeface="+mj-cs"/>
+              </a:rPr>
+              <a:t>===========================================================</a:t>
+            </a:r>
+            <a:br>
+              <a:rPr kumimoji="0" lang="en-US" altLang="ko-KR" sz="1000" b="1" i="0" u="none" strike="noStrike" kern="1200" cap="none" spc="0" normalizeH="0" baseline="0" noProof="0" dirty="0">
+                <a:ln>
+                  <a:noFill/>
+                </a:ln>
+                <a:solidFill>
+                  <a:schemeClr val="tx1"/>
+                </a:solidFill>
+                <a:effectLst/>
+                <a:uLnTx/>
+                <a:uFillTx/>
+                <a:latin typeface="+mj-lt"/>
+                <a:ea typeface="+mj-ea"/>
+                <a:cs typeface="+mj-cs"/>
+              </a:rPr>
+            </a:br>
+            <a:endParaRPr kumimoji="0" lang="ko-KR" altLang="en-US" sz="1000" b="1" i="0" u="none" strike="noStrike" kern="1200" cap="none" spc="0" normalizeH="0" baseline="0" noProof="0" dirty="0">
+              <a:ln>
+                <a:noFill/>
+              </a:ln>
+              <a:solidFill>
+                <a:schemeClr val="tx1"/>
+              </a:solidFill>
+              <a:effectLst/>
+              <a:uLnTx/>
+              <a:uFillTx/>
+              <a:latin typeface="+mj-lt"/>
+              <a:ea typeface="+mj-ea"/>
+              <a:cs typeface="+mj-cs"/>
+            </a:endParaRPr>
+          </a:p>
+        </p:txBody>
+      </p:sp>
+    </p:spTree>
+    <p:extLst>
+      <p:ext uri="{BB962C8B-B14F-4D97-AF65-F5344CB8AC3E}">
+        <p14:creationId xmlns:p14="http://schemas.microsoft.com/office/powerpoint/2010/main" val="3915124188"/>
+      </p:ext>
+    </p:extLst>
+  </p:cSld>
+  <p:clrMapOvr>
+    <a:masterClrMapping/>
+  </p:clrMapOvr>
+</p:sld>
+</file>
+
+<file path=ppt/slides/slide56.xml><?xml version="1.0" encoding="utf-8"?>
 <p:sld xmlns:a="http://schemas.openxmlformats.org/drawingml/2006/main" xmlns:r="http://schemas.openxmlformats.org/officeDocument/2006/relationships" xmlns:p="http://schemas.openxmlformats.org/presentationml/2006/main">
   <p:cSld>
     <p:spTree>
@@ -20641,7 +21480,7 @@
 </p:sld>
 </file>
 
-<file path=ppt/slides/slide56.xml><?xml version="1.0" encoding="utf-8"?>
+<file path=ppt/slides/slide57.xml><?xml version="1.0" encoding="utf-8"?>
 <p:sld xmlns:a="http://schemas.openxmlformats.org/drawingml/2006/main" xmlns:r="http://schemas.openxmlformats.org/officeDocument/2006/relationships" xmlns:p="http://schemas.openxmlformats.org/presentationml/2006/main">
   <p:cSld>
     <p:spTree>

--- a/03. 화면설계/01. 관리자/[디비2조]화면설계_관리자.pptx
+++ b/03. 화면설계/01. 관리자/[디비2조]화면설계_관리자.pptx
@@ -10933,10 +10933,6 @@
               <a:rPr lang="en-US" altLang="ko-KR" sz="1400" b="1" dirty="0"/>
             </a:br>
             <a:r>
-              <a:rPr lang="en-US" altLang="ko-KR" sz="1400" b="1" dirty="0"/>
-              <a:t>   </a:t>
-            </a:r>
-            <a:r>
               <a:rPr lang="ko-KR" altLang="en-US" sz="1400" b="1" dirty="0" err="1"/>
               <a:t>학생명</a:t>
             </a:r>
@@ -10946,6 +10942,14 @@
             </a:r>
             <a:r>
               <a:rPr lang="ko-KR" altLang="en-US" sz="1400" b="1" dirty="0"/>
+              <a:t>학생 번호</a:t>
+            </a:r>
+            <a:r>
+              <a:rPr lang="en-US" altLang="ko-KR" sz="1400" b="1" dirty="0"/>
+              <a:t>(PK)  </a:t>
+            </a:r>
+            <a:r>
+              <a:rPr lang="ko-KR" altLang="en-US" sz="1400" b="1" dirty="0"/>
               <a:t>주민번호</a:t>
             </a:r>
             <a:r>
@@ -10958,7 +10962,7 @@
             </a:r>
             <a:r>
               <a:rPr lang="en-US" altLang="ko-KR" sz="1400" b="1" dirty="0"/>
-              <a:t>)	</a:t>
+              <a:t>)	       </a:t>
             </a:r>
             <a:r>
               <a:rPr lang="ko-KR" altLang="en-US" sz="1400" b="1" dirty="0" err="1"/>
@@ -10966,7 +10970,7 @@
             </a:r>
             <a:r>
               <a:rPr lang="en-US" altLang="ko-KR" sz="1400" b="1" dirty="0"/>
-              <a:t>		</a:t>
+              <a:t>	 </a:t>
             </a:r>
             <a:r>
               <a:rPr lang="ko-KR" altLang="en-US" sz="1400" b="1" dirty="0"/>
@@ -10974,7 +10978,7 @@
             </a:r>
             <a:r>
               <a:rPr lang="en-US" altLang="ko-KR" sz="1400" b="1" dirty="0"/>
-              <a:t>		</a:t>
+              <a:t>	    </a:t>
             </a:r>
             <a:r>
               <a:rPr lang="ko-KR" altLang="en-US" sz="1400" b="1" dirty="0"/>
@@ -10991,39 +10995,27 @@
               <a:rPr lang="en-US" altLang="ko-KR" sz="1400" b="1" dirty="0"/>
             </a:br>
             <a:r>
-              <a:rPr lang="en-US" altLang="ko-KR" sz="1400" b="1" dirty="0"/>
-              <a:t>1. </a:t>
-            </a:r>
-            <a:r>
               <a:rPr lang="ko-KR" altLang="en-US" sz="1400" b="1" dirty="0"/>
               <a:t>홍길동</a:t>
             </a:r>
             <a:r>
               <a:rPr lang="en-US" altLang="ko-KR" sz="1400" b="1" dirty="0"/>
-              <a:t>	1234567	      </a:t>
-            </a:r>
-            <a:r>
-              <a:rPr lang="ko-KR" altLang="en-US" sz="1400" b="1" dirty="0"/>
-              <a:t> 자바 기반 </a:t>
-            </a:r>
-            <a:r>
-              <a:rPr lang="ko-KR" altLang="en-US" sz="1400" b="1" dirty="0" err="1"/>
-              <a:t>융합형</a:t>
-            </a:r>
-            <a:r>
-              <a:rPr lang="ko-KR" altLang="en-US" sz="1400" b="1" dirty="0"/>
-              <a:t> </a:t>
-            </a:r>
-            <a:r>
-              <a:rPr lang="en-US" altLang="ko-KR" sz="1400" b="1" dirty="0"/>
-              <a:t>SW	 2018.01.01  	     6</a:t>
-            </a:r>
-            <a:br>
-              <a:rPr lang="en-US" altLang="ko-KR" sz="1400" b="1" dirty="0"/>
-            </a:br>
-            <a:r>
-              <a:rPr lang="en-US" altLang="ko-KR" sz="1400" b="1" dirty="0"/>
-              <a:t>		           </a:t>
+              <a:t>	      15	          1234567</a:t>
+            </a:r>
+            <a:r>
+              <a:rPr lang="ko-KR" altLang="en-US" sz="1400" b="1" dirty="0"/>
+              <a:t>      자바 기반 융합형 </a:t>
+            </a:r>
+            <a:r>
+              <a:rPr lang="en-US" altLang="ko-KR" sz="1400" b="1" dirty="0"/>
+              <a:t>SW	 2018.01.01       6</a:t>
+            </a:r>
+            <a:br>
+              <a:rPr lang="en-US" altLang="ko-KR" sz="1400" b="1" dirty="0"/>
+            </a:br>
+            <a:r>
+              <a:rPr lang="en-US" altLang="ko-KR" sz="1400" b="1" dirty="0"/>
+              <a:t>		          	                </a:t>
             </a:r>
             <a:r>
               <a:rPr lang="ko-KR" altLang="en-US" sz="1400" b="1" dirty="0"/>
@@ -11039,10 +11031,6 @@
             <a:br>
               <a:rPr lang="en-US" altLang="ko-KR" sz="1400" b="1" dirty="0"/>
             </a:br>
-            <a:r>
-              <a:rPr lang="en-US" altLang="ko-KR" sz="1400" b="1" dirty="0"/>
-              <a:t>2. </a:t>
-            </a:r>
             <a:r>
               <a:rPr lang="ko-KR" altLang="en-US" sz="1400" b="1" dirty="0"/>
               <a:t>홍길동</a:t>
@@ -11085,7 +11073,7 @@
             </a:r>
             <a:r>
               <a:rPr lang="en-US" altLang="ko-KR" sz="1400" b="1" dirty="0"/>
-              <a:t>: 1</a:t>
+              <a:t>: 15</a:t>
             </a:r>
           </a:p>
           <a:p>
@@ -18749,40 +18737,38 @@
       </p:sp>
       <p:pic>
         <p:nvPicPr>
-          <p:cNvPr id="3" name="Picture 3">
+          <p:cNvPr id="8" name="그림 7">
             <a:extLst>
               <a:ext uri="{FF2B5EF4-FFF2-40B4-BE49-F238E27FC236}">
-                <a16:creationId xmlns:a16="http://schemas.microsoft.com/office/drawing/2014/main" id="{7F244C46-C34E-4082-B335-4C6C03CD955F}"/>
+                <a16:creationId xmlns:a16="http://schemas.microsoft.com/office/drawing/2014/main" id="{8F09F163-BCC1-47F6-BE37-8D5DF7C8A558}"/>
               </a:ext>
             </a:extLst>
           </p:cNvPr>
           <p:cNvPicPr>
-            <a:picLocks noChangeAspect="1" noChangeArrowheads="1"/>
+            <a:picLocks noChangeAspect="1"/>
           </p:cNvPicPr>
           <p:nvPr/>
         </p:nvPicPr>
         <p:blipFill>
-          <a:blip r:embed="rId2" cstate="print"/>
-          <a:srcRect/>
+          <a:blip r:embed="rId2">
+            <a:extLst>
+              <a:ext uri="{28A0092B-C50C-407E-A947-70E740481C1C}">
+                <a14:useLocalDpi xmlns:a14="http://schemas.microsoft.com/office/drawing/2010/main" val="0"/>
+              </a:ext>
+            </a:extLst>
+          </a:blip>
           <a:stretch>
             <a:fillRect/>
           </a:stretch>
         </p:blipFill>
-        <p:spPr bwMode="auto">
+        <p:spPr>
           <a:xfrm>
-            <a:off x="1403648" y="0"/>
-            <a:ext cx="6149683" cy="6858000"/>
+            <a:off x="1496568" y="0"/>
+            <a:ext cx="6150864" cy="6858000"/>
           </a:xfrm>
           <a:prstGeom prst="rect">
             <a:avLst/>
           </a:prstGeom>
-          <a:noFill/>
-          <a:ln w="9525">
-            <a:noFill/>
-            <a:miter lim="800000"/>
-            <a:headEnd/>
-            <a:tailEnd/>
-          </a:ln>
         </p:spPr>
       </p:pic>
     </p:spTree>
